--- a/あんない資料.pptx
+++ b/あんない資料.pptx
@@ -8,6 +8,7 @@
     <p:sldId id="256" r:id="rId2"/>
     <p:sldId id="258" r:id="rId3"/>
     <p:sldId id="259" r:id="rId4"/>
+    <p:sldId id="260" r:id="rId5"/>
   </p:sldIdLst>
   <p:sldSz cx="12192000" cy="6858000"/>
   <p:notesSz cx="6858000" cy="9144000"/>
@@ -272,7 +273,7 @@
           <a:p>
             <a:fld id="{6006BB2C-583B-4A21-B9F0-A6DA47219121}" type="datetimeFigureOut">
               <a:rPr kumimoji="1" lang="ja-JP" altLang="en-US" smtClean="0"/>
-              <a:t>2024/10/14</a:t>
+              <a:t>2024/10/15</a:t>
             </a:fld>
             <a:endParaRPr kumimoji="1" lang="ja-JP" altLang="en-US"/>
           </a:p>
@@ -502,7 +503,7 @@
           <a:p>
             <a:fld id="{6006BB2C-583B-4A21-B9F0-A6DA47219121}" type="datetimeFigureOut">
               <a:rPr kumimoji="1" lang="ja-JP" altLang="en-US" smtClean="0"/>
-              <a:t>2024/10/14</a:t>
+              <a:t>2024/10/15</a:t>
             </a:fld>
             <a:endParaRPr kumimoji="1" lang="ja-JP" altLang="en-US"/>
           </a:p>
@@ -742,7 +743,7 @@
           <a:p>
             <a:fld id="{6006BB2C-583B-4A21-B9F0-A6DA47219121}" type="datetimeFigureOut">
               <a:rPr kumimoji="1" lang="ja-JP" altLang="en-US" smtClean="0"/>
-              <a:t>2024/10/14</a:t>
+              <a:t>2024/10/15</a:t>
             </a:fld>
             <a:endParaRPr kumimoji="1" lang="ja-JP" altLang="en-US"/>
           </a:p>
@@ -972,7 +973,7 @@
           <a:p>
             <a:fld id="{6006BB2C-583B-4A21-B9F0-A6DA47219121}" type="datetimeFigureOut">
               <a:rPr kumimoji="1" lang="ja-JP" altLang="en-US" smtClean="0"/>
-              <a:t>2024/10/14</a:t>
+              <a:t>2024/10/15</a:t>
             </a:fld>
             <a:endParaRPr kumimoji="1" lang="ja-JP" altLang="en-US"/>
           </a:p>
@@ -1247,7 +1248,7 @@
           <a:p>
             <a:fld id="{6006BB2C-583B-4A21-B9F0-A6DA47219121}" type="datetimeFigureOut">
               <a:rPr kumimoji="1" lang="ja-JP" altLang="en-US" smtClean="0"/>
-              <a:t>2024/10/14</a:t>
+              <a:t>2024/10/15</a:t>
             </a:fld>
             <a:endParaRPr kumimoji="1" lang="ja-JP" altLang="en-US"/>
           </a:p>
@@ -1576,7 +1577,7 @@
           <a:p>
             <a:fld id="{6006BB2C-583B-4A21-B9F0-A6DA47219121}" type="datetimeFigureOut">
               <a:rPr kumimoji="1" lang="ja-JP" altLang="en-US" smtClean="0"/>
-              <a:t>2024/10/14</a:t>
+              <a:t>2024/10/15</a:t>
             </a:fld>
             <a:endParaRPr kumimoji="1" lang="ja-JP" altLang="en-US"/>
           </a:p>
@@ -2052,7 +2053,7 @@
           <a:p>
             <a:fld id="{6006BB2C-583B-4A21-B9F0-A6DA47219121}" type="datetimeFigureOut">
               <a:rPr kumimoji="1" lang="ja-JP" altLang="en-US" smtClean="0"/>
-              <a:t>2024/10/14</a:t>
+              <a:t>2024/10/15</a:t>
             </a:fld>
             <a:endParaRPr kumimoji="1" lang="ja-JP" altLang="en-US"/>
           </a:p>
@@ -2193,7 +2194,7 @@
           <a:p>
             <a:fld id="{6006BB2C-583B-4A21-B9F0-A6DA47219121}" type="datetimeFigureOut">
               <a:rPr kumimoji="1" lang="ja-JP" altLang="en-US" smtClean="0"/>
-              <a:t>2024/10/14</a:t>
+              <a:t>2024/10/15</a:t>
             </a:fld>
             <a:endParaRPr kumimoji="1" lang="ja-JP" altLang="en-US"/>
           </a:p>
@@ -2306,7 +2307,7 @@
           <a:p>
             <a:fld id="{6006BB2C-583B-4A21-B9F0-A6DA47219121}" type="datetimeFigureOut">
               <a:rPr kumimoji="1" lang="ja-JP" altLang="en-US" smtClean="0"/>
-              <a:t>2024/10/14</a:t>
+              <a:t>2024/10/15</a:t>
             </a:fld>
             <a:endParaRPr kumimoji="1" lang="ja-JP" altLang="en-US"/>
           </a:p>
@@ -2649,7 +2650,7 @@
           <a:p>
             <a:fld id="{6006BB2C-583B-4A21-B9F0-A6DA47219121}" type="datetimeFigureOut">
               <a:rPr kumimoji="1" lang="ja-JP" altLang="en-US" smtClean="0"/>
-              <a:t>2024/10/14</a:t>
+              <a:t>2024/10/15</a:t>
             </a:fld>
             <a:endParaRPr kumimoji="1" lang="ja-JP" altLang="en-US"/>
           </a:p>
@@ -2937,7 +2938,7 @@
           <a:p>
             <a:fld id="{6006BB2C-583B-4A21-B9F0-A6DA47219121}" type="datetimeFigureOut">
               <a:rPr kumimoji="1" lang="ja-JP" altLang="en-US" smtClean="0"/>
-              <a:t>2024/10/14</a:t>
+              <a:t>2024/10/15</a:t>
             </a:fld>
             <a:endParaRPr kumimoji="1" lang="ja-JP" altLang="en-US"/>
           </a:p>
@@ -3210,7 +3211,7 @@
           <a:p>
             <a:fld id="{6006BB2C-583B-4A21-B9F0-A6DA47219121}" type="datetimeFigureOut">
               <a:rPr kumimoji="1" lang="ja-JP" altLang="en-US" smtClean="0"/>
-              <a:t>2024/10/14</a:t>
+              <a:t>2024/10/15</a:t>
             </a:fld>
             <a:endParaRPr kumimoji="1" lang="ja-JP" altLang="en-US"/>
           </a:p>
@@ -4149,7 +4150,7 @@
         </p:nvSpPr>
         <p:spPr>
           <a:xfrm>
-            <a:off x="620097" y="2183811"/>
+            <a:off x="380946" y="957666"/>
             <a:ext cx="1149674" cy="369332"/>
           </a:xfrm>
           <a:prstGeom prst="rect">
@@ -4191,7 +4192,7 @@
         </p:nvSpPr>
         <p:spPr>
           <a:xfrm>
-            <a:off x="530637" y="2684365"/>
+            <a:off x="291486" y="1458220"/>
             <a:ext cx="3550972" cy="646331"/>
           </a:xfrm>
           <a:prstGeom prst="rect">
@@ -4940,7 +4941,7 @@
         <p:spPr>
           <a:xfrm>
             <a:off x="82879" y="968743"/>
-            <a:ext cx="3985386" cy="4801314"/>
+            <a:ext cx="4108817" cy="4801314"/>
           </a:xfrm>
           <a:prstGeom prst="rect">
             <a:avLst/>
@@ -4958,15 +4959,15 @@
                 <a:latin typeface="BIZ UDPゴシック" panose="020B0400000000000000" pitchFamily="50" charset="-128"/>
                 <a:ea typeface="BIZ UDPゴシック" panose="020B0400000000000000" pitchFamily="50" charset="-128"/>
               </a:rPr>
-              <a:t>個人別に用意します。</a:t>
-            </a:r>
-            <a:endParaRPr lang="en-US" altLang="ja-JP">
+              <a:t>個人別の手順書です。</a:t>
+            </a:r>
+            <a:endParaRPr lang="en-US" altLang="ja-JP" dirty="0">
               <a:latin typeface="BIZ UDPゴシック" panose="020B0400000000000000" pitchFamily="50" charset="-128"/>
               <a:ea typeface="BIZ UDPゴシック" panose="020B0400000000000000" pitchFamily="50" charset="-128"/>
             </a:endParaRPr>
           </a:p>
           <a:p>
-            <a:endParaRPr lang="en-US" altLang="ja-JP">
+            <a:endParaRPr lang="en-US" altLang="ja-JP" dirty="0">
               <a:latin typeface="BIZ UDPゴシック" panose="020B0400000000000000" pitchFamily="50" charset="-128"/>
               <a:ea typeface="BIZ UDPゴシック" panose="020B0400000000000000" pitchFamily="50" charset="-128"/>
             </a:endParaRPr>
@@ -4979,7 +4980,7 @@
               </a:rPr>
               <a:t>移動経路に合わせた手順書です。</a:t>
             </a:r>
-            <a:endParaRPr lang="en-US" altLang="ja-JP">
+            <a:endParaRPr lang="en-US" altLang="ja-JP" dirty="0">
               <a:latin typeface="BIZ UDPゴシック" panose="020B0400000000000000" pitchFamily="50" charset="-128"/>
               <a:ea typeface="BIZ UDPゴシック" panose="020B0400000000000000" pitchFamily="50" charset="-128"/>
             </a:endParaRPr>
@@ -4992,7 +4993,7 @@
               </a:rPr>
               <a:t>移動経路の順にキャプチャ、リンクの</a:t>
             </a:r>
-            <a:endParaRPr lang="en-US" altLang="ja-JP">
+            <a:endParaRPr lang="en-US" altLang="ja-JP" dirty="0">
               <a:latin typeface="BIZ UDPゴシック" panose="020B0400000000000000" pitchFamily="50" charset="-128"/>
               <a:ea typeface="BIZ UDPゴシック" panose="020B0400000000000000" pitchFamily="50" charset="-128"/>
             </a:endParaRPr>
@@ -5005,13 +5006,13 @@
               </a:rPr>
               <a:t>手順が上から下に書いています。</a:t>
             </a:r>
-            <a:endParaRPr lang="en-US" altLang="ja-JP">
+            <a:endParaRPr lang="en-US" altLang="ja-JP" dirty="0">
               <a:latin typeface="BIZ UDPゴシック" panose="020B0400000000000000" pitchFamily="50" charset="-128"/>
               <a:ea typeface="BIZ UDPゴシック" panose="020B0400000000000000" pitchFamily="50" charset="-128"/>
             </a:endParaRPr>
           </a:p>
           <a:p>
-            <a:endParaRPr lang="en-US" altLang="ja-JP">
+            <a:endParaRPr lang="en-US" altLang="ja-JP" dirty="0">
               <a:latin typeface="BIZ UDPゴシック" panose="020B0400000000000000" pitchFamily="50" charset="-128"/>
               <a:ea typeface="BIZ UDPゴシック" panose="020B0400000000000000" pitchFamily="50" charset="-128"/>
             </a:endParaRPr>
@@ -5025,7 +5026,7 @@
               <a:t>順番に</a:t>
             </a:r>
             <a:r>
-              <a:rPr lang="en-US" altLang="ja-JP">
+              <a:rPr lang="en-US" altLang="ja-JP" dirty="0">
                 <a:latin typeface="BIZ UDPゴシック" panose="020B0400000000000000" pitchFamily="50" charset="-128"/>
                 <a:ea typeface="BIZ UDPゴシック" panose="020B0400000000000000" pitchFamily="50" charset="-128"/>
               </a:rPr>
@@ -5038,14 +5039,14 @@
               </a:rPr>
               <a:t>列のポータルを移動し、</a:t>
             </a:r>
-            <a:endParaRPr lang="en-US" altLang="ja-JP">
+            <a:endParaRPr lang="en-US" altLang="ja-JP" dirty="0">
               <a:latin typeface="BIZ UDPゴシック" panose="020B0400000000000000" pitchFamily="50" charset="-128"/>
               <a:ea typeface="BIZ UDPゴシック" panose="020B0400000000000000" pitchFamily="50" charset="-128"/>
             </a:endParaRPr>
           </a:p>
           <a:p>
             <a:r>
-              <a:rPr lang="en-US" altLang="ja-JP">
+              <a:rPr lang="en-US" altLang="ja-JP" dirty="0">
                 <a:latin typeface="BIZ UDPゴシック" panose="020B0400000000000000" pitchFamily="50" charset="-128"/>
                 <a:ea typeface="BIZ UDPゴシック" panose="020B0400000000000000" pitchFamily="50" charset="-128"/>
               </a:rPr>
@@ -5058,13 +5059,13 @@
               </a:rPr>
               <a:t>列のポータルにリンクします。</a:t>
             </a:r>
-            <a:endParaRPr lang="en-US" altLang="ja-JP">
+            <a:endParaRPr lang="en-US" altLang="ja-JP" dirty="0">
               <a:latin typeface="BIZ UDPゴシック" panose="020B0400000000000000" pitchFamily="50" charset="-128"/>
               <a:ea typeface="BIZ UDPゴシック" panose="020B0400000000000000" pitchFamily="50" charset="-128"/>
             </a:endParaRPr>
           </a:p>
           <a:p>
-            <a:endParaRPr lang="en-US" altLang="ja-JP">
+            <a:endParaRPr lang="en-US" altLang="ja-JP" dirty="0">
               <a:latin typeface="BIZ UDPゴシック" panose="020B0400000000000000" pitchFamily="50" charset="-128"/>
               <a:ea typeface="BIZ UDPゴシック" panose="020B0400000000000000" pitchFamily="50" charset="-128"/>
             </a:endParaRPr>
@@ -5077,7 +5078,7 @@
               </a:rPr>
               <a:t>紙で携行して、チェックするの</a:t>
             </a:r>
-            <a:endParaRPr lang="en-US" altLang="ja-JP">
+            <a:endParaRPr lang="en-US" altLang="ja-JP" dirty="0">
               <a:latin typeface="BIZ UDPゴシック" panose="020B0400000000000000" pitchFamily="50" charset="-128"/>
               <a:ea typeface="BIZ UDPゴシック" panose="020B0400000000000000" pitchFamily="50" charset="-128"/>
             </a:endParaRPr>
@@ -5090,7 +5091,7 @@
               </a:rPr>
               <a:t>がおすすめです。</a:t>
             </a:r>
-            <a:endParaRPr lang="en-US" altLang="ja-JP">
+            <a:endParaRPr lang="en-US" altLang="ja-JP" dirty="0">
               <a:latin typeface="BIZ UDPゴシック" panose="020B0400000000000000" pitchFamily="50" charset="-128"/>
               <a:ea typeface="BIZ UDPゴシック" panose="020B0400000000000000" pitchFamily="50" charset="-128"/>
             </a:endParaRPr>
@@ -5103,7 +5104,7 @@
               </a:rPr>
               <a:t>またオペレータとのやりとりでは、</a:t>
             </a:r>
-            <a:endParaRPr lang="en-US" altLang="ja-JP">
+            <a:endParaRPr lang="en-US" altLang="ja-JP" dirty="0">
               <a:latin typeface="BIZ UDPゴシック" panose="020B0400000000000000" pitchFamily="50" charset="-128"/>
               <a:ea typeface="BIZ UDPゴシック" panose="020B0400000000000000" pitchFamily="50" charset="-128"/>
             </a:endParaRPr>
@@ -5116,7 +5117,7 @@
               </a:rPr>
               <a:t>この手順の何番目と</a:t>
             </a:r>
-            <a:endParaRPr lang="en-US" altLang="ja-JP">
+            <a:endParaRPr lang="en-US" altLang="ja-JP" dirty="0">
               <a:latin typeface="BIZ UDPゴシック" panose="020B0400000000000000" pitchFamily="50" charset="-128"/>
               <a:ea typeface="BIZ UDPゴシック" panose="020B0400000000000000" pitchFamily="50" charset="-128"/>
             </a:endParaRPr>
@@ -5129,13 +5130,13 @@
               </a:rPr>
               <a:t>伝えるとわかりやすいです。</a:t>
             </a:r>
-            <a:endParaRPr lang="en-US" altLang="ja-JP">
+            <a:endParaRPr lang="en-US" altLang="ja-JP" dirty="0">
               <a:latin typeface="BIZ UDPゴシック" panose="020B0400000000000000" pitchFamily="50" charset="-128"/>
               <a:ea typeface="BIZ UDPゴシック" panose="020B0400000000000000" pitchFamily="50" charset="-128"/>
             </a:endParaRPr>
           </a:p>
           <a:p>
-            <a:endParaRPr lang="en-US" altLang="ja-JP">
+            <a:endParaRPr lang="en-US" altLang="ja-JP" dirty="0">
               <a:latin typeface="BIZ UDPゴシック" panose="020B0400000000000000" pitchFamily="50" charset="-128"/>
               <a:ea typeface="BIZ UDPゴシック" panose="020B0400000000000000" pitchFamily="50" charset="-128"/>
             </a:endParaRPr>
@@ -5148,7 +5149,7 @@
               </a:rPr>
               <a:t>持参するポータルキーはリンク先</a:t>
             </a:r>
-            <a:endParaRPr lang="en-US" altLang="ja-JP">
+            <a:endParaRPr lang="en-US" altLang="ja-JP" dirty="0">
               <a:latin typeface="BIZ UDPゴシック" panose="020B0400000000000000" pitchFamily="50" charset="-128"/>
               <a:ea typeface="BIZ UDPゴシック" panose="020B0400000000000000" pitchFamily="50" charset="-128"/>
             </a:endParaRPr>
@@ -5161,7 +5162,7 @@
               </a:rPr>
               <a:t>欄に書かれたキーが必要になります。</a:t>
             </a:r>
-            <a:endParaRPr lang="en-US" altLang="ja-JP">
+            <a:endParaRPr lang="en-US" altLang="ja-JP" dirty="0">
               <a:latin typeface="BIZ UDPゴシック" panose="020B0400000000000000" pitchFamily="50" charset="-128"/>
               <a:ea typeface="BIZ UDPゴシック" panose="020B0400000000000000" pitchFamily="50" charset="-128"/>
             </a:endParaRPr>
@@ -5172,6 +5173,183 @@
     <p:extLst>
       <p:ext uri="{BB962C8B-B14F-4D97-AF65-F5344CB8AC3E}">
         <p14:creationId xmlns:p14="http://schemas.microsoft.com/office/powerpoint/2010/main" val="1023933089"/>
+      </p:ext>
+    </p:extLst>
+  </p:cSld>
+  <p:clrMapOvr>
+    <a:masterClrMapping/>
+  </p:clrMapOvr>
+</p:sld>
+</file>
+
+<file path=ppt/slides/slide4.xml><?xml version="1.0" encoding="utf-8"?>
+<p:sld xmlns:a="http://schemas.openxmlformats.org/drawingml/2006/main" xmlns:r="http://schemas.openxmlformats.org/officeDocument/2006/relationships" xmlns:p="http://schemas.openxmlformats.org/presentationml/2006/main">
+  <p:cSld>
+    <p:spTree>
+      <p:nvGrpSpPr>
+        <p:cNvPr id="1" name=""/>
+        <p:cNvGrpSpPr/>
+        <p:nvPr/>
+      </p:nvGrpSpPr>
+      <p:grpSpPr>
+        <a:xfrm>
+          <a:off x="0" y="0"/>
+          <a:ext cx="0" cy="0"/>
+          <a:chOff x="0" y="0"/>
+          <a:chExt cx="0" cy="0"/>
+        </a:xfrm>
+      </p:grpSpPr>
+      <p:pic>
+        <p:nvPicPr>
+          <p:cNvPr id="4" name="図 3">
+            <a:extLst>
+              <a:ext uri="{FF2B5EF4-FFF2-40B4-BE49-F238E27FC236}">
+                <a16:creationId xmlns:a16="http://schemas.microsoft.com/office/drawing/2014/main" id="{68B31FF7-424E-8E5B-12A3-7A25F8A8EBE6}"/>
+              </a:ext>
+            </a:extLst>
+          </p:cNvPr>
+          <p:cNvPicPr>
+            <a:picLocks noChangeAspect="1"/>
+          </p:cNvPicPr>
+          <p:nvPr/>
+        </p:nvPicPr>
+        <p:blipFill>
+          <a:blip r:embed="rId2"/>
+          <a:stretch>
+            <a:fillRect/>
+          </a:stretch>
+        </p:blipFill>
+        <p:spPr>
+          <a:xfrm>
+            <a:off x="5220601" y="361950"/>
+            <a:ext cx="6451600" cy="6134100"/>
+          </a:xfrm>
+          <a:prstGeom prst="rect">
+            <a:avLst/>
+          </a:prstGeom>
+        </p:spPr>
+      </p:pic>
+      <p:sp>
+        <p:nvSpPr>
+          <p:cNvPr id="5" name="テキスト ボックス 4">
+            <a:extLst>
+              <a:ext uri="{FF2B5EF4-FFF2-40B4-BE49-F238E27FC236}">
+                <a16:creationId xmlns:a16="http://schemas.microsoft.com/office/drawing/2014/main" id="{9A7B7D4F-B104-6A14-3B26-B4B5707F7429}"/>
+              </a:ext>
+            </a:extLst>
+          </p:cNvPr>
+          <p:cNvSpPr txBox="1"/>
+          <p:nvPr/>
+        </p:nvSpPr>
+        <p:spPr>
+          <a:xfrm>
+            <a:off x="702976" y="417833"/>
+            <a:ext cx="2852063" cy="369332"/>
+          </a:xfrm>
+          <a:prstGeom prst="rect">
+            <a:avLst/>
+          </a:prstGeom>
+          <a:noFill/>
+        </p:spPr>
+        <p:txBody>
+          <a:bodyPr wrap="none" rtlCol="0">
+            <a:spAutoFit/>
+          </a:bodyPr>
+          <a:lstStyle/>
+          <a:p>
+            <a:r>
+              <a:rPr lang="en-US" altLang="ja-JP" dirty="0">
+                <a:latin typeface="BIZ UDPゴシック" panose="020B0400000000000000" pitchFamily="50" charset="-128"/>
+                <a:ea typeface="BIZ UDPゴシック" panose="020B0400000000000000" pitchFamily="50" charset="-128"/>
+              </a:rPr>
+              <a:t>4</a:t>
+            </a:r>
+            <a:r>
+              <a:rPr lang="ja-JP" altLang="en-US">
+                <a:latin typeface="BIZ UDPゴシック" panose="020B0400000000000000" pitchFamily="50" charset="-128"/>
+                <a:ea typeface="BIZ UDPゴシック" panose="020B0400000000000000" pitchFamily="50" charset="-128"/>
+              </a:rPr>
+              <a:t>．ポータルキー配布一覧</a:t>
+            </a:r>
+            <a:endParaRPr kumimoji="1" lang="ja-JP" altLang="en-US">
+              <a:latin typeface="BIZ UDPゴシック" panose="020B0400000000000000" pitchFamily="50" charset="-128"/>
+              <a:ea typeface="BIZ UDPゴシック" panose="020B0400000000000000" pitchFamily="50" charset="-128"/>
+            </a:endParaRPr>
+          </a:p>
+        </p:txBody>
+      </p:sp>
+      <p:sp>
+        <p:nvSpPr>
+          <p:cNvPr id="6" name="テキスト ボックス 5">
+            <a:extLst>
+              <a:ext uri="{FF2B5EF4-FFF2-40B4-BE49-F238E27FC236}">
+                <a16:creationId xmlns:a16="http://schemas.microsoft.com/office/drawing/2014/main" id="{035B1735-AE27-6D7B-4CAE-3139CD8B9DF1}"/>
+              </a:ext>
+            </a:extLst>
+          </p:cNvPr>
+          <p:cNvSpPr txBox="1"/>
+          <p:nvPr/>
+        </p:nvSpPr>
+        <p:spPr>
+          <a:xfrm>
+            <a:off x="82879" y="968743"/>
+            <a:ext cx="4801314" cy="923330"/>
+          </a:xfrm>
+          <a:prstGeom prst="rect">
+            <a:avLst/>
+          </a:prstGeom>
+          <a:noFill/>
+        </p:spPr>
+        <p:txBody>
+          <a:bodyPr wrap="none" rtlCol="0">
+            <a:spAutoFit/>
+          </a:bodyPr>
+          <a:lstStyle/>
+          <a:p>
+            <a:r>
+              <a:rPr lang="ja-JP" altLang="en-US">
+                <a:latin typeface="BIZ UDPゴシック" panose="020B0400000000000000" pitchFamily="50" charset="-128"/>
+                <a:ea typeface="BIZ UDPゴシック" panose="020B0400000000000000" pitchFamily="50" charset="-128"/>
+              </a:rPr>
+              <a:t>構築前に収集するキーの一覧です。</a:t>
+            </a:r>
+            <a:endParaRPr lang="en-US" altLang="ja-JP" dirty="0">
+              <a:latin typeface="BIZ UDPゴシック" panose="020B0400000000000000" pitchFamily="50" charset="-128"/>
+              <a:ea typeface="BIZ UDPゴシック" panose="020B0400000000000000" pitchFamily="50" charset="-128"/>
+            </a:endParaRPr>
+          </a:p>
+          <a:p>
+            <a:r>
+              <a:rPr lang="ja-JP" altLang="en-US">
+                <a:latin typeface="BIZ UDPゴシック" panose="020B0400000000000000" pitchFamily="50" charset="-128"/>
+                <a:ea typeface="BIZ UDPゴシック" panose="020B0400000000000000" pitchFamily="50" charset="-128"/>
+              </a:rPr>
+              <a:t>これを担当別にカプセルで配布できるように</a:t>
+            </a:r>
+            <a:endParaRPr lang="en-US" altLang="ja-JP" dirty="0">
+              <a:latin typeface="BIZ UDPゴシック" panose="020B0400000000000000" pitchFamily="50" charset="-128"/>
+              <a:ea typeface="BIZ UDPゴシック" panose="020B0400000000000000" pitchFamily="50" charset="-128"/>
+            </a:endParaRPr>
+          </a:p>
+          <a:p>
+            <a:r>
+              <a:rPr lang="ja-JP" altLang="en-US">
+                <a:latin typeface="BIZ UDPゴシック" panose="020B0400000000000000" pitchFamily="50" charset="-128"/>
+                <a:ea typeface="BIZ UDPゴシック" panose="020B0400000000000000" pitchFamily="50" charset="-128"/>
+              </a:rPr>
+              <a:t>割り振りを行っておきます。</a:t>
+            </a:r>
+            <a:endParaRPr lang="en-US" altLang="ja-JP" dirty="0">
+              <a:latin typeface="BIZ UDPゴシック" panose="020B0400000000000000" pitchFamily="50" charset="-128"/>
+              <a:ea typeface="BIZ UDPゴシック" panose="020B0400000000000000" pitchFamily="50" charset="-128"/>
+            </a:endParaRPr>
+          </a:p>
+        </p:txBody>
+      </p:sp>
+    </p:spTree>
+    <p:extLst>
+      <p:ext uri="{BB962C8B-B14F-4D97-AF65-F5344CB8AC3E}">
+        <p14:creationId xmlns:p14="http://schemas.microsoft.com/office/powerpoint/2010/main" val="2783295648"/>
       </p:ext>
     </p:extLst>
   </p:cSld>
